--- a/slides/Loops.pptx
+++ b/slides/Loops.pptx
@@ -9432,7 +9432,11 @@
             </a:r>
             <a:r>
               <a:rPr lang="en-US" sz="2400" dirty="0" smtClean="0"/>
-              <a:t>ill break you out of a loop when returns a value</a:t>
+              <a:t>ill break you out of a </a:t>
+            </a:r>
+            <a:r>
+              <a:rPr lang="en-US" sz="2400" dirty="0" smtClean="0"/>
+              <a:t>loop</a:t>
             </a:r>
           </a:p>
           <a:p>
@@ -9455,6 +9459,7 @@
               <a:rPr lang="en-US" sz="2400" dirty="0" smtClean="0"/>
               <a:t> </a:t>
             </a:r>
+            <a:endParaRPr lang="en-US" sz="2400" dirty="0" smtClean="0"/>
           </a:p>
           <a:p>
             <a:pPr lvl="1"/>
@@ -9510,8 +9515,8 @@
               <a:t>For will go to the update statement,  While will go to the </a:t>
             </a:r>
             <a:r>
-              <a:rPr lang="en-US" sz="2400" dirty="0" err="1" smtClean="0"/>
-              <a:t>boolean</a:t>
+              <a:rPr lang="en-US" sz="2400" dirty="0" smtClean="0"/>
+              <a:t>condition</a:t>
             </a:r>
             <a:endParaRPr lang="en-US" sz="2400" dirty="0" smtClean="0"/>
           </a:p>
@@ -9891,7 +9896,26 @@
                   <a:schemeClr val="accent3"/>
                 </a:solidFill>
               </a:rPr>
-              <a:t> row = 1; row &lt;= n; row++) {</a:t>
+              <a:t> row = </a:t>
+            </a:r>
+            <a:r>
+              <a:rPr lang="en-US" sz="3600" b="1" dirty="0" smtClean="0">
+                <a:solidFill>
+                  <a:schemeClr val="accent3"/>
+                </a:solidFill>
+                <a:latin typeface="Abadi MT Condensed Light" charset="0"/>
+                <a:ea typeface="Abadi MT Condensed Light" charset="0"/>
+                <a:cs typeface="Abadi MT Condensed Light" charset="0"/>
+              </a:rPr>
+              <a:t>1</a:t>
+            </a:r>
+            <a:r>
+              <a:rPr lang="en-US" sz="3600" dirty="0" smtClean="0">
+                <a:solidFill>
+                  <a:schemeClr val="accent3"/>
+                </a:solidFill>
+              </a:rPr>
+              <a:t>; row &lt;= n; row++) {</a:t>
             </a:r>
           </a:p>
           <a:p>
@@ -9937,7 +9961,42 @@
                   <a:schemeClr val="accent3"/>
                 </a:solidFill>
               </a:rPr>
-              <a:t> count = 1; count &lt;= row; count++) </a:t>
+              <a:t> count </a:t>
+            </a:r>
+            <a:r>
+              <a:rPr lang="en-US" sz="3600" dirty="0" smtClean="0">
+                <a:solidFill>
+                  <a:schemeClr val="accent3"/>
+                </a:solidFill>
+              </a:rPr>
+              <a:t>= </a:t>
+            </a:r>
+            <a:r>
+              <a:rPr lang="en-US" sz="3600" b="1" dirty="0" smtClean="0">
+                <a:solidFill>
+                  <a:schemeClr val="accent3"/>
+                </a:solidFill>
+                <a:latin typeface="Abadi MT Condensed Light" charset="0"/>
+                <a:ea typeface="Abadi MT Condensed Light" charset="0"/>
+                <a:cs typeface="Abadi MT Condensed Light" charset="0"/>
+              </a:rPr>
+              <a:t>1</a:t>
+            </a:r>
+            <a:r>
+              <a:rPr lang="en-US" sz="3600" dirty="0" smtClean="0">
+                <a:solidFill>
+                  <a:schemeClr val="accent3"/>
+                </a:solidFill>
+              </a:rPr>
+              <a:t>; </a:t>
+            </a:r>
+            <a:r>
+              <a:rPr lang="en-US" sz="3600" dirty="0" smtClean="0">
+                <a:solidFill>
+                  <a:schemeClr val="accent3"/>
+                </a:solidFill>
+              </a:rPr>
+              <a:t>count &lt;= row; count++) </a:t>
             </a:r>
           </a:p>
           <a:p>
